--- a/activities/16_A5_Genete.pptx
+++ b/activities/16_A5_Genete.pptx
@@ -269,7 +269,7 @@
           <a:p>
             <a:fld id="{3D77BCAB-0192-4743-A91B-0EDE2BBA35C3}" type="datetimeFigureOut">
               <a:rPr lang="en-US" smtClean="0"/>
-              <a:t>7/25/2019</a:t>
+              <a:t>9/3/2019</a:t>
             </a:fld>
             <a:endParaRPr lang="en-US"/>
           </a:p>
@@ -467,7 +467,7 @@
           <a:p>
             <a:fld id="{3D77BCAB-0192-4743-A91B-0EDE2BBA35C3}" type="datetimeFigureOut">
               <a:rPr lang="en-US" smtClean="0"/>
-              <a:t>7/25/2019</a:t>
+              <a:t>9/3/2019</a:t>
             </a:fld>
             <a:endParaRPr lang="en-US"/>
           </a:p>
@@ -675,7 +675,7 @@
           <a:p>
             <a:fld id="{3D77BCAB-0192-4743-A91B-0EDE2BBA35C3}" type="datetimeFigureOut">
               <a:rPr lang="en-US" smtClean="0"/>
-              <a:t>7/25/2019</a:t>
+              <a:t>9/3/2019</a:t>
             </a:fld>
             <a:endParaRPr lang="en-US"/>
           </a:p>
@@ -873,7 +873,7 @@
           <a:p>
             <a:fld id="{3D77BCAB-0192-4743-A91B-0EDE2BBA35C3}" type="datetimeFigureOut">
               <a:rPr lang="en-US" smtClean="0"/>
-              <a:t>7/25/2019</a:t>
+              <a:t>9/3/2019</a:t>
             </a:fld>
             <a:endParaRPr lang="en-US"/>
           </a:p>
@@ -1148,7 +1148,7 @@
           <a:p>
             <a:fld id="{3D77BCAB-0192-4743-A91B-0EDE2BBA35C3}" type="datetimeFigureOut">
               <a:rPr lang="en-US" smtClean="0"/>
-              <a:t>7/25/2019</a:t>
+              <a:t>9/3/2019</a:t>
             </a:fld>
             <a:endParaRPr lang="en-US"/>
           </a:p>
@@ -1413,7 +1413,7 @@
           <a:p>
             <a:fld id="{3D77BCAB-0192-4743-A91B-0EDE2BBA35C3}" type="datetimeFigureOut">
               <a:rPr lang="en-US" smtClean="0"/>
-              <a:t>7/25/2019</a:t>
+              <a:t>9/3/2019</a:t>
             </a:fld>
             <a:endParaRPr lang="en-US"/>
           </a:p>
@@ -1825,7 +1825,7 @@
           <a:p>
             <a:fld id="{3D77BCAB-0192-4743-A91B-0EDE2BBA35C3}" type="datetimeFigureOut">
               <a:rPr lang="en-US" smtClean="0"/>
-              <a:t>7/25/2019</a:t>
+              <a:t>9/3/2019</a:t>
             </a:fld>
             <a:endParaRPr lang="en-US"/>
           </a:p>
@@ -1966,7 +1966,7 @@
           <a:p>
             <a:fld id="{3D77BCAB-0192-4743-A91B-0EDE2BBA35C3}" type="datetimeFigureOut">
               <a:rPr lang="en-US" smtClean="0"/>
-              <a:t>7/25/2019</a:t>
+              <a:t>9/3/2019</a:t>
             </a:fld>
             <a:endParaRPr lang="en-US"/>
           </a:p>
@@ -2079,7 +2079,7 @@
           <a:p>
             <a:fld id="{3D77BCAB-0192-4743-A91B-0EDE2BBA35C3}" type="datetimeFigureOut">
               <a:rPr lang="en-US" smtClean="0"/>
-              <a:t>7/25/2019</a:t>
+              <a:t>9/3/2019</a:t>
             </a:fld>
             <a:endParaRPr lang="en-US"/>
           </a:p>
@@ -2390,7 +2390,7 @@
           <a:p>
             <a:fld id="{3D77BCAB-0192-4743-A91B-0EDE2BBA35C3}" type="datetimeFigureOut">
               <a:rPr lang="en-US" smtClean="0"/>
-              <a:t>7/25/2019</a:t>
+              <a:t>9/3/2019</a:t>
             </a:fld>
             <a:endParaRPr lang="en-US"/>
           </a:p>
@@ -2678,7 +2678,7 @@
           <a:p>
             <a:fld id="{3D77BCAB-0192-4743-A91B-0EDE2BBA35C3}" type="datetimeFigureOut">
               <a:rPr lang="en-US" smtClean="0"/>
-              <a:t>7/25/2019</a:t>
+              <a:t>9/3/2019</a:t>
             </a:fld>
             <a:endParaRPr lang="en-US"/>
           </a:p>
@@ -2919,7 +2919,7 @@
           <a:p>
             <a:fld id="{3D77BCAB-0192-4743-A91B-0EDE2BBA35C3}" type="datetimeFigureOut">
               <a:rPr lang="en-US" smtClean="0"/>
-              <a:t>7/25/2019</a:t>
+              <a:t>9/3/2019</a:t>
             </a:fld>
             <a:endParaRPr lang="en-US"/>
           </a:p>
@@ -4729,56 +4729,6 @@
           <a:chExt cx="0" cy="0"/>
         </a:xfrm>
       </p:grpSpPr>
-      <p:sp>
-        <p:nvSpPr>
-          <p:cNvPr id="2" name="Title 1">
-            <a:extLst>
-              <a:ext uri="{FF2B5EF4-FFF2-40B4-BE49-F238E27FC236}">
-                <a16:creationId xmlns:a16="http://schemas.microsoft.com/office/drawing/2014/main" id="{03C2ADED-177C-486E-BEA1-69F7E490D9DB}"/>
-              </a:ext>
-            </a:extLst>
-          </p:cNvPr>
-          <p:cNvSpPr>
-            <a:spLocks noGrp="1"/>
-          </p:cNvSpPr>
-          <p:nvPr>
-            <p:ph type="title"/>
-          </p:nvPr>
-        </p:nvSpPr>
-        <p:spPr/>
-        <p:txBody>
-          <a:bodyPr/>
-          <a:lstStyle/>
-          <a:p>
-            <a:endParaRPr lang="en-US"/>
-          </a:p>
-        </p:txBody>
-      </p:sp>
-      <p:sp>
-        <p:nvSpPr>
-          <p:cNvPr id="3" name="Content Placeholder 2">
-            <a:extLst>
-              <a:ext uri="{FF2B5EF4-FFF2-40B4-BE49-F238E27FC236}">
-                <a16:creationId xmlns:a16="http://schemas.microsoft.com/office/drawing/2014/main" id="{7AD14B77-0382-40AE-85CF-24E831F847B2}"/>
-              </a:ext>
-            </a:extLst>
-          </p:cNvPr>
-          <p:cNvSpPr>
-            <a:spLocks noGrp="1"/>
-          </p:cNvSpPr>
-          <p:nvPr>
-            <p:ph idx="1"/>
-          </p:nvPr>
-        </p:nvSpPr>
-        <p:spPr/>
-        <p:txBody>
-          <a:bodyPr/>
-          <a:lstStyle/>
-          <a:p>
-            <a:endParaRPr lang="en-US" dirty="0"/>
-          </a:p>
-        </p:txBody>
-      </p:sp>
       <p:pic>
         <p:nvPicPr>
           <p:cNvPr id="1026" name="Picture 2" descr="Image result for cellphone png">
@@ -6079,56 +6029,6 @@
           <a:chExt cx="0" cy="0"/>
         </a:xfrm>
       </p:grpSpPr>
-      <p:sp>
-        <p:nvSpPr>
-          <p:cNvPr id="2" name="Title 1">
-            <a:extLst>
-              <a:ext uri="{FF2B5EF4-FFF2-40B4-BE49-F238E27FC236}">
-                <a16:creationId xmlns:a16="http://schemas.microsoft.com/office/drawing/2014/main" id="{03C2ADED-177C-486E-BEA1-69F7E490D9DB}"/>
-              </a:ext>
-            </a:extLst>
-          </p:cNvPr>
-          <p:cNvSpPr>
-            <a:spLocks noGrp="1"/>
-          </p:cNvSpPr>
-          <p:nvPr>
-            <p:ph type="title"/>
-          </p:nvPr>
-        </p:nvSpPr>
-        <p:spPr/>
-        <p:txBody>
-          <a:bodyPr/>
-          <a:lstStyle/>
-          <a:p>
-            <a:endParaRPr lang="en-US"/>
-          </a:p>
-        </p:txBody>
-      </p:sp>
-      <p:sp>
-        <p:nvSpPr>
-          <p:cNvPr id="3" name="Content Placeholder 2">
-            <a:extLst>
-              <a:ext uri="{FF2B5EF4-FFF2-40B4-BE49-F238E27FC236}">
-                <a16:creationId xmlns:a16="http://schemas.microsoft.com/office/drawing/2014/main" id="{7AD14B77-0382-40AE-85CF-24E831F847B2}"/>
-              </a:ext>
-            </a:extLst>
-          </p:cNvPr>
-          <p:cNvSpPr>
-            <a:spLocks noGrp="1"/>
-          </p:cNvSpPr>
-          <p:nvPr>
-            <p:ph idx="1"/>
-          </p:nvPr>
-        </p:nvSpPr>
-        <p:spPr/>
-        <p:txBody>
-          <a:bodyPr/>
-          <a:lstStyle/>
-          <a:p>
-            <a:endParaRPr lang="en-US"/>
-          </a:p>
-        </p:txBody>
-      </p:sp>
       <p:pic>
         <p:nvPicPr>
           <p:cNvPr id="1026" name="Picture 2" descr="Image result for cellphone png">
@@ -7384,56 +7284,6 @@
           <a:chExt cx="0" cy="0"/>
         </a:xfrm>
       </p:grpSpPr>
-      <p:sp>
-        <p:nvSpPr>
-          <p:cNvPr id="2" name="Title 1">
-            <a:extLst>
-              <a:ext uri="{FF2B5EF4-FFF2-40B4-BE49-F238E27FC236}">
-                <a16:creationId xmlns:a16="http://schemas.microsoft.com/office/drawing/2014/main" id="{03C2ADED-177C-486E-BEA1-69F7E490D9DB}"/>
-              </a:ext>
-            </a:extLst>
-          </p:cNvPr>
-          <p:cNvSpPr>
-            <a:spLocks noGrp="1"/>
-          </p:cNvSpPr>
-          <p:nvPr>
-            <p:ph type="title"/>
-          </p:nvPr>
-        </p:nvSpPr>
-        <p:spPr/>
-        <p:txBody>
-          <a:bodyPr/>
-          <a:lstStyle/>
-          <a:p>
-            <a:endParaRPr lang="en-US"/>
-          </a:p>
-        </p:txBody>
-      </p:sp>
-      <p:sp>
-        <p:nvSpPr>
-          <p:cNvPr id="3" name="Content Placeholder 2">
-            <a:extLst>
-              <a:ext uri="{FF2B5EF4-FFF2-40B4-BE49-F238E27FC236}">
-                <a16:creationId xmlns:a16="http://schemas.microsoft.com/office/drawing/2014/main" id="{7AD14B77-0382-40AE-85CF-24E831F847B2}"/>
-              </a:ext>
-            </a:extLst>
-          </p:cNvPr>
-          <p:cNvSpPr>
-            <a:spLocks noGrp="1"/>
-          </p:cNvSpPr>
-          <p:nvPr>
-            <p:ph idx="1"/>
-          </p:nvPr>
-        </p:nvSpPr>
-        <p:spPr/>
-        <p:txBody>
-          <a:bodyPr/>
-          <a:lstStyle/>
-          <a:p>
-            <a:endParaRPr lang="en-US" dirty="0"/>
-          </a:p>
-        </p:txBody>
-      </p:sp>
       <p:pic>
         <p:nvPicPr>
           <p:cNvPr id="1026" name="Picture 2" descr="Image result for cellphone png">
